--- a/Deep Learning/CV 3D/pictures/COLMAP/colmap process.pptx
+++ b/Deep Learning/CV 3D/pictures/COLMAP/colmap process.pptx
@@ -10,6 +10,9 @@
   </p:sldIdLst>
   <p:sldSz cx="12192000" cy="6858000"/>
   <p:notesSz cx="6858000" cy="9144000"/>
+  <p:custDataLst>
+    <p:tags r:id="rId4"/>
+  </p:custDataLst>
   <p:defaultTextStyle>
     <a:defPPr>
       <a:defRPr lang="zh-CN"/>
@@ -253,7 +256,7 @@
           <a:p>
             <a:fld id="{D997B5FA-0921-464F-AAE1-844C04324D75}" type="datetimeFigureOut">
               <a:rPr lang="zh-CN" altLang="en-US" smtClean="0"/>
-              <a:t>2025/11/5</a:t>
+              <a:t>2025/11/6</a:t>
             </a:fld>
             <a:endParaRPr lang="zh-CN" altLang="en-US"/>
           </a:p>
@@ -416,7 +419,7 @@
           <a:p>
             <a:fld id="{D997B5FA-0921-464F-AAE1-844C04324D75}" type="datetimeFigureOut">
               <a:rPr lang="zh-CN" altLang="en-US" smtClean="0"/>
-              <a:t>2025/11/5</a:t>
+              <a:t>2025/11/6</a:t>
             </a:fld>
             <a:endParaRPr lang="zh-CN" altLang="en-US"/>
           </a:p>
@@ -589,7 +592,7 @@
           <a:p>
             <a:fld id="{D997B5FA-0921-464F-AAE1-844C04324D75}" type="datetimeFigureOut">
               <a:rPr lang="zh-CN" altLang="en-US" smtClean="0"/>
-              <a:t>2025/11/5</a:t>
+              <a:t>2025/11/6</a:t>
             </a:fld>
             <a:endParaRPr lang="zh-CN" altLang="en-US"/>
           </a:p>
@@ -752,7 +755,7 @@
           <a:p>
             <a:fld id="{D997B5FA-0921-464F-AAE1-844C04324D75}" type="datetimeFigureOut">
               <a:rPr lang="zh-CN" altLang="en-US" smtClean="0"/>
-              <a:t>2025/11/5</a:t>
+              <a:t>2025/11/6</a:t>
             </a:fld>
             <a:endParaRPr lang="zh-CN" altLang="en-US"/>
           </a:p>
@@ -992,7 +995,7 @@
           <a:p>
             <a:fld id="{D997B5FA-0921-464F-AAE1-844C04324D75}" type="datetimeFigureOut">
               <a:rPr lang="zh-CN" altLang="en-US" smtClean="0"/>
-              <a:t>2025/11/5</a:t>
+              <a:t>2025/11/6</a:t>
             </a:fld>
             <a:endParaRPr lang="zh-CN" altLang="en-US"/>
           </a:p>
@@ -1216,7 +1219,7 @@
           <a:p>
             <a:fld id="{D997B5FA-0921-464F-AAE1-844C04324D75}" type="datetimeFigureOut">
               <a:rPr lang="zh-CN" altLang="en-US" smtClean="0"/>
-              <a:t>2025/11/5</a:t>
+              <a:t>2025/11/6</a:t>
             </a:fld>
             <a:endParaRPr lang="zh-CN" altLang="en-US"/>
           </a:p>
@@ -1575,7 +1578,7 @@
           <a:p>
             <a:fld id="{D997B5FA-0921-464F-AAE1-844C04324D75}" type="datetimeFigureOut">
               <a:rPr lang="zh-CN" altLang="en-US" smtClean="0"/>
-              <a:t>2025/11/5</a:t>
+              <a:t>2025/11/6</a:t>
             </a:fld>
             <a:endParaRPr lang="zh-CN" altLang="en-US"/>
           </a:p>
@@ -1687,7 +1690,7 @@
           <a:p>
             <a:fld id="{D997B5FA-0921-464F-AAE1-844C04324D75}" type="datetimeFigureOut">
               <a:rPr lang="zh-CN" altLang="en-US" smtClean="0"/>
-              <a:t>2025/11/5</a:t>
+              <a:t>2025/11/6</a:t>
             </a:fld>
             <a:endParaRPr lang="zh-CN" altLang="en-US"/>
           </a:p>
@@ -1777,7 +1780,7 @@
           <a:p>
             <a:fld id="{D997B5FA-0921-464F-AAE1-844C04324D75}" type="datetimeFigureOut">
               <a:rPr lang="zh-CN" altLang="en-US" smtClean="0"/>
-              <a:t>2025/11/5</a:t>
+              <a:t>2025/11/6</a:t>
             </a:fld>
             <a:endParaRPr lang="zh-CN" altLang="en-US"/>
           </a:p>
@@ -2047,7 +2050,7 @@
           <a:p>
             <a:fld id="{D997B5FA-0921-464F-AAE1-844C04324D75}" type="datetimeFigureOut">
               <a:rPr lang="zh-CN" altLang="en-US" smtClean="0"/>
-              <a:t>2025/11/5</a:t>
+              <a:t>2025/11/6</a:t>
             </a:fld>
             <a:endParaRPr lang="zh-CN" altLang="en-US"/>
           </a:p>
@@ -2294,7 +2297,7 @@
           <a:p>
             <a:fld id="{D997B5FA-0921-464F-AAE1-844C04324D75}" type="datetimeFigureOut">
               <a:rPr lang="zh-CN" altLang="en-US" smtClean="0"/>
-              <a:t>2025/11/5</a:t>
+              <a:t>2025/11/6</a:t>
             </a:fld>
             <a:endParaRPr lang="zh-CN" altLang="en-US"/>
           </a:p>
@@ -2566,7 +2569,7 @@
           <a:p>
             <a:fld id="{D997B5FA-0921-464F-AAE1-844C04324D75}" type="datetimeFigureOut">
               <a:rPr lang="zh-CN" altLang="en-US" smtClean="0"/>
-              <a:t>2025/11/5</a:t>
+              <a:t>2025/11/6</a:t>
             </a:fld>
             <a:endParaRPr lang="zh-CN" altLang="en-US"/>
           </a:p>
@@ -3056,7 +3059,7 @@
             </a:extLst>
           </p:cNvPr>
           <p:cNvGraphicFramePr>
-            <a:graphicFrameLocks noChangeAspect="1"/>
+            <a:graphicFrameLocks/>
           </p:cNvGraphicFramePr>
           <p:nvPr>
             <p:custDataLst>
@@ -3114,10 +3117,10 @@
       </p:graphicFrame>
       <p:grpSp>
         <p:nvGrpSpPr>
-          <p:cNvPr id="43" name="组合 42">
+          <p:cNvPr id="55" name="组合 54">
             <a:extLst>
               <a:ext uri="{FF2B5EF4-FFF2-40B4-BE49-F238E27FC236}">
-                <a16:creationId xmlns:a16="http://schemas.microsoft.com/office/drawing/2014/main" id="{2F9896F9-C279-2BBE-B036-D7E172CD6158}"/>
+                <a16:creationId xmlns:a16="http://schemas.microsoft.com/office/drawing/2014/main" id="{B4EB0135-112A-A387-082C-1252240F54C8}"/>
               </a:ext>
             </a:extLst>
           </p:cNvPr>
@@ -3688,7 +3691,7 @@
                     <a:schemeClr val="tx1"/>
                   </a:solidFill>
                 </a:rPr>
-                <a:t>算法</a:t>
+                <a:t>算法、三角测量法</a:t>
               </a:r>
               <a:endParaRPr lang="en-US" sz="1200" dirty="0">
                 <a:solidFill>
@@ -4774,6 +4777,50 @@
             </a:fontRef>
           </p:style>
         </p:cxnSp>
+        <p:cxnSp>
+          <p:nvCxnSpPr>
+            <p:cNvPr id="49" name="连接符: 肘形 48">
+              <a:extLst>
+                <a:ext uri="{FF2B5EF4-FFF2-40B4-BE49-F238E27FC236}">
+                  <a16:creationId xmlns:a16="http://schemas.microsoft.com/office/drawing/2014/main" id="{46AE24DE-1C11-4B70-8D7E-889EA18C9BE6}"/>
+                </a:ext>
+              </a:extLst>
+            </p:cNvPr>
+            <p:cNvCxnSpPr>
+              <a:cxnSpLocks/>
+            </p:cNvCxnSpPr>
+            <p:nvPr/>
+          </p:nvCxnSpPr>
+          <p:spPr>
+            <a:xfrm flipV="1">
+              <a:off x="3001264" y="4139755"/>
+              <a:ext cx="696850" cy="377381"/>
+            </a:xfrm>
+            <a:prstGeom prst="bentConnector4">
+              <a:avLst>
+                <a:gd name="adj1" fmla="val -37379"/>
+                <a:gd name="adj2" fmla="val 160575"/>
+              </a:avLst>
+            </a:prstGeom>
+            <a:ln>
+              <a:tailEnd type="triangle"/>
+            </a:ln>
+          </p:spPr>
+          <p:style>
+            <a:lnRef idx="1">
+              <a:schemeClr val="accent6"/>
+            </a:lnRef>
+            <a:fillRef idx="0">
+              <a:schemeClr val="accent6"/>
+            </a:fillRef>
+            <a:effectRef idx="0">
+              <a:schemeClr val="accent6"/>
+            </a:effectRef>
+            <a:fontRef idx="minor">
+              <a:schemeClr val="tx1"/>
+            </a:fontRef>
+          </p:style>
+        </p:cxnSp>
       </p:grpSp>
     </p:spTree>
     <p:extLst>
@@ -4790,11 +4837,17 @@
 
 <file path=ppt/tags/tag1.xml><?xml version="1.0" encoding="utf-8"?>
 <p:tagLst xmlns:a="http://schemas.openxmlformats.org/drawingml/2006/main" xmlns:r="http://schemas.openxmlformats.org/officeDocument/2006/relationships" xmlns:p="http://schemas.openxmlformats.org/presentationml/2006/main">
+  <p:tag name="EE4P_STYLE_ID" val="6cd991bf-f022-4378-96e7-2c338aeb3f5a"/>
+</p:tagLst>
+</file>
+
+<file path=ppt/tags/tag2.xml><?xml version="1.0" encoding="utf-8"?>
+<p:tagLst xmlns:a="http://schemas.openxmlformats.org/drawingml/2006/main" xmlns:r="http://schemas.openxmlformats.org/officeDocument/2006/relationships" xmlns:p="http://schemas.openxmlformats.org/presentationml/2006/main">
   <p:tag name="THINKCELLSHAPEDONOTDELETE" val="thinkcellActiveDocDoNotDelete"/>
 </p:tagLst>
 </file>
 
-<file path=ppt/tags/tag2.xml><?xml version="1.0" encoding="utf-8"?>
+<file path=ppt/tags/tag3.xml><?xml version="1.0" encoding="utf-8"?>
 <p:tagLst xmlns:a="http://schemas.openxmlformats.org/drawingml/2006/main" xmlns:r="http://schemas.openxmlformats.org/officeDocument/2006/relationships" xmlns:p="http://schemas.openxmlformats.org/presentationml/2006/main">
   <p:tag name="THINKCELLSHAPEDONOTDELETE" val="thinkcellActiveDocDoNotDelete"/>
 </p:tagLst>
